--- a/14_big_data/08-Buyuk-Veri-Yonetimi-Guvenlik-ve-Kod-Gelistirme/01_hadoop_güvenlik.pptx
+++ b/14_big_data/08-Buyuk-Veri-Yonetimi-Guvenlik-ve-Kod-Gelistirme/01_hadoop_güvenlik.pptx
@@ -605,6 +605,240 @@
       </pc:sldChg>
     </pc:docChg>
   </pc:docChgLst>
+  <pc:docChgLst>
+    <pc:chgData name="Erkan ŞİRİN" userId="7f10ce1d6aaf8c5d" providerId="LiveId" clId="{20B81091-9E53-4FC9-8F8A-295B665D2BEA}"/>
+    <pc:docChg chg="custSel modSld">
+      <pc:chgData name="Erkan ŞİRİN" userId="7f10ce1d6aaf8c5d" providerId="LiveId" clId="{20B81091-9E53-4FC9-8F8A-295B665D2BEA}" dt="2019-07-23T20:58:21.519" v="14" actId="478"/>
+      <pc:docMkLst>
+        <pc:docMk/>
+      </pc:docMkLst>
+      <pc:sldChg chg="delSp">
+        <pc:chgData name="Erkan ŞİRİN" userId="7f10ce1d6aaf8c5d" providerId="LiveId" clId="{20B81091-9E53-4FC9-8F8A-295B665D2BEA}" dt="2019-07-23T20:58:02.562" v="0" actId="478"/>
+        <pc:sldMkLst>
+          <pc:docMk/>
+          <pc:sldMk cId="1416118015" sldId="257"/>
+        </pc:sldMkLst>
+        <pc:picChg chg="del">
+          <ac:chgData name="Erkan ŞİRİN" userId="7f10ce1d6aaf8c5d" providerId="LiveId" clId="{20B81091-9E53-4FC9-8F8A-295B665D2BEA}" dt="2019-07-23T20:58:02.562" v="0" actId="478"/>
+          <ac:picMkLst>
+            <pc:docMk/>
+            <pc:sldMk cId="1416118015" sldId="257"/>
+            <ac:picMk id="17" creationId="{C1F42DFA-F3F1-4F73-8633-2F64BE8735AB}"/>
+          </ac:picMkLst>
+        </pc:picChg>
+      </pc:sldChg>
+      <pc:sldChg chg="delSp">
+        <pc:chgData name="Erkan ŞİRİN" userId="7f10ce1d6aaf8c5d" providerId="LiveId" clId="{20B81091-9E53-4FC9-8F8A-295B665D2BEA}" dt="2019-07-23T20:58:03.858" v="1" actId="478"/>
+        <pc:sldMkLst>
+          <pc:docMk/>
+          <pc:sldMk cId="744671124" sldId="260"/>
+        </pc:sldMkLst>
+        <pc:picChg chg="del">
+          <ac:chgData name="Erkan ŞİRİN" userId="7f10ce1d6aaf8c5d" providerId="LiveId" clId="{20B81091-9E53-4FC9-8F8A-295B665D2BEA}" dt="2019-07-23T20:58:03.858" v="1" actId="478"/>
+          <ac:picMkLst>
+            <pc:docMk/>
+            <pc:sldMk cId="744671124" sldId="260"/>
+            <ac:picMk id="16" creationId="{BB3CCDFC-0485-4C0C-B8F5-5C1AB6CC72DC}"/>
+          </ac:picMkLst>
+        </pc:picChg>
+      </pc:sldChg>
+      <pc:sldChg chg="delSp">
+        <pc:chgData name="Erkan ŞİRİN" userId="7f10ce1d6aaf8c5d" providerId="LiveId" clId="{20B81091-9E53-4FC9-8F8A-295B665D2BEA}" dt="2019-07-23T20:58:10.930" v="6" actId="478"/>
+        <pc:sldMkLst>
+          <pc:docMk/>
+          <pc:sldMk cId="2814878444" sldId="261"/>
+        </pc:sldMkLst>
+        <pc:picChg chg="del">
+          <ac:chgData name="Erkan ŞİRİN" userId="7f10ce1d6aaf8c5d" providerId="LiveId" clId="{20B81091-9E53-4FC9-8F8A-295B665D2BEA}" dt="2019-07-23T20:58:10.930" v="6" actId="478"/>
+          <ac:picMkLst>
+            <pc:docMk/>
+            <pc:sldMk cId="2814878444" sldId="261"/>
+            <ac:picMk id="16" creationId="{7A4C1D4D-8E67-4C68-8B50-F495A5D875B3}"/>
+          </ac:picMkLst>
+        </pc:picChg>
+      </pc:sldChg>
+      <pc:sldChg chg="delSp">
+        <pc:chgData name="Erkan ŞİRİN" userId="7f10ce1d6aaf8c5d" providerId="LiveId" clId="{20B81091-9E53-4FC9-8F8A-295B665D2BEA}" dt="2019-07-23T20:58:12.169" v="7" actId="478"/>
+        <pc:sldMkLst>
+          <pc:docMk/>
+          <pc:sldMk cId="3612479082" sldId="262"/>
+        </pc:sldMkLst>
+        <pc:picChg chg="del">
+          <ac:chgData name="Erkan ŞİRİN" userId="7f10ce1d6aaf8c5d" providerId="LiveId" clId="{20B81091-9E53-4FC9-8F8A-295B665D2BEA}" dt="2019-07-23T20:58:12.169" v="7" actId="478"/>
+          <ac:picMkLst>
+            <pc:docMk/>
+            <pc:sldMk cId="3612479082" sldId="262"/>
+            <ac:picMk id="17" creationId="{D6973E36-C5F9-4786-8AF5-E0BCDF860A1F}"/>
+          </ac:picMkLst>
+        </pc:picChg>
+      </pc:sldChg>
+      <pc:sldChg chg="delSp">
+        <pc:chgData name="Erkan ŞİRİN" userId="7f10ce1d6aaf8c5d" providerId="LiveId" clId="{20B81091-9E53-4FC9-8F8A-295B665D2BEA}" dt="2019-07-23T20:58:09.521" v="5" actId="478"/>
+        <pc:sldMkLst>
+          <pc:docMk/>
+          <pc:sldMk cId="1180344185" sldId="263"/>
+        </pc:sldMkLst>
+        <pc:picChg chg="del">
+          <ac:chgData name="Erkan ŞİRİN" userId="7f10ce1d6aaf8c5d" providerId="LiveId" clId="{20B81091-9E53-4FC9-8F8A-295B665D2BEA}" dt="2019-07-23T20:58:09.521" v="5" actId="478"/>
+          <ac:picMkLst>
+            <pc:docMk/>
+            <pc:sldMk cId="1180344185" sldId="263"/>
+            <ac:picMk id="16" creationId="{B287B9A2-D686-4DED-89CB-1D453E721A4A}"/>
+          </ac:picMkLst>
+        </pc:picChg>
+      </pc:sldChg>
+      <pc:sldChg chg="delSp">
+        <pc:chgData name="Erkan ŞİRİN" userId="7f10ce1d6aaf8c5d" providerId="LiveId" clId="{20B81091-9E53-4FC9-8F8A-295B665D2BEA}" dt="2019-07-23T20:58:08.046" v="4" actId="478"/>
+        <pc:sldMkLst>
+          <pc:docMk/>
+          <pc:sldMk cId="3493067957" sldId="264"/>
+        </pc:sldMkLst>
+        <pc:picChg chg="del">
+          <ac:chgData name="Erkan ŞİRİN" userId="7f10ce1d6aaf8c5d" providerId="LiveId" clId="{20B81091-9E53-4FC9-8F8A-295B665D2BEA}" dt="2019-07-23T20:58:08.046" v="4" actId="478"/>
+          <ac:picMkLst>
+            <pc:docMk/>
+            <pc:sldMk cId="3493067957" sldId="264"/>
+            <ac:picMk id="21" creationId="{C549E32E-2ADC-412B-BC0C-43614123ACC3}"/>
+          </ac:picMkLst>
+        </pc:picChg>
+      </pc:sldChg>
+      <pc:sldChg chg="delSp">
+        <pc:chgData name="Erkan ŞİRİN" userId="7f10ce1d6aaf8c5d" providerId="LiveId" clId="{20B81091-9E53-4FC9-8F8A-295B665D2BEA}" dt="2019-07-23T20:58:13.445" v="8" actId="478"/>
+        <pc:sldMkLst>
+          <pc:docMk/>
+          <pc:sldMk cId="1250924871" sldId="265"/>
+        </pc:sldMkLst>
+        <pc:picChg chg="del">
+          <ac:chgData name="Erkan ŞİRİN" userId="7f10ce1d6aaf8c5d" providerId="LiveId" clId="{20B81091-9E53-4FC9-8F8A-295B665D2BEA}" dt="2019-07-23T20:58:13.445" v="8" actId="478"/>
+          <ac:picMkLst>
+            <pc:docMk/>
+            <pc:sldMk cId="1250924871" sldId="265"/>
+            <ac:picMk id="16" creationId="{626E046E-C659-4B7E-9A8C-C3BBB35E344A}"/>
+          </ac:picMkLst>
+        </pc:picChg>
+      </pc:sldChg>
+      <pc:sldChg chg="delSp">
+        <pc:chgData name="Erkan ŞİRİN" userId="7f10ce1d6aaf8c5d" providerId="LiveId" clId="{20B81091-9E53-4FC9-8F8A-295B665D2BEA}" dt="2019-07-23T20:58:14.991" v="9" actId="478"/>
+        <pc:sldMkLst>
+          <pc:docMk/>
+          <pc:sldMk cId="3870267115" sldId="266"/>
+        </pc:sldMkLst>
+        <pc:picChg chg="del">
+          <ac:chgData name="Erkan ŞİRİN" userId="7f10ce1d6aaf8c5d" providerId="LiveId" clId="{20B81091-9E53-4FC9-8F8A-295B665D2BEA}" dt="2019-07-23T20:58:14.991" v="9" actId="478"/>
+          <ac:picMkLst>
+            <pc:docMk/>
+            <pc:sldMk cId="3870267115" sldId="266"/>
+            <ac:picMk id="21" creationId="{F1FC17D6-10D5-4654-9158-0819B48A5DFA}"/>
+          </ac:picMkLst>
+        </pc:picChg>
+      </pc:sldChg>
+      <pc:sldChg chg="delSp">
+        <pc:chgData name="Erkan ŞİRİN" userId="7f10ce1d6aaf8c5d" providerId="LiveId" clId="{20B81091-9E53-4FC9-8F8A-295B665D2BEA}" dt="2019-07-23T20:58:16.141" v="10" actId="478"/>
+        <pc:sldMkLst>
+          <pc:docMk/>
+          <pc:sldMk cId="1082174896" sldId="267"/>
+        </pc:sldMkLst>
+        <pc:picChg chg="del">
+          <ac:chgData name="Erkan ŞİRİN" userId="7f10ce1d6aaf8c5d" providerId="LiveId" clId="{20B81091-9E53-4FC9-8F8A-295B665D2BEA}" dt="2019-07-23T20:58:16.141" v="10" actId="478"/>
+          <ac:picMkLst>
+            <pc:docMk/>
+            <pc:sldMk cId="1082174896" sldId="267"/>
+            <ac:picMk id="16" creationId="{02426FD6-A5A9-4BD0-84A1-C7DC68AFB258}"/>
+          </ac:picMkLst>
+        </pc:picChg>
+      </pc:sldChg>
+      <pc:sldChg chg="delSp">
+        <pc:chgData name="Erkan ŞİRİN" userId="7f10ce1d6aaf8c5d" providerId="LiveId" clId="{20B81091-9E53-4FC9-8F8A-295B665D2BEA}" dt="2019-07-23T20:58:17.416" v="11" actId="478"/>
+        <pc:sldMkLst>
+          <pc:docMk/>
+          <pc:sldMk cId="1274990477" sldId="268"/>
+        </pc:sldMkLst>
+        <pc:picChg chg="del">
+          <ac:chgData name="Erkan ŞİRİN" userId="7f10ce1d6aaf8c5d" providerId="LiveId" clId="{20B81091-9E53-4FC9-8F8A-295B665D2BEA}" dt="2019-07-23T20:58:17.416" v="11" actId="478"/>
+          <ac:picMkLst>
+            <pc:docMk/>
+            <pc:sldMk cId="1274990477" sldId="268"/>
+            <ac:picMk id="21" creationId="{814CF832-F53D-4141-8298-B90A3B15F786}"/>
+          </ac:picMkLst>
+        </pc:picChg>
+      </pc:sldChg>
+      <pc:sldChg chg="delSp">
+        <pc:chgData name="Erkan ŞİRİN" userId="7f10ce1d6aaf8c5d" providerId="LiveId" clId="{20B81091-9E53-4FC9-8F8A-295B665D2BEA}" dt="2019-07-23T20:58:20.153" v="13" actId="478"/>
+        <pc:sldMkLst>
+          <pc:docMk/>
+          <pc:sldMk cId="640072093" sldId="269"/>
+        </pc:sldMkLst>
+        <pc:picChg chg="del">
+          <ac:chgData name="Erkan ŞİRİN" userId="7f10ce1d6aaf8c5d" providerId="LiveId" clId="{20B81091-9E53-4FC9-8F8A-295B665D2BEA}" dt="2019-07-23T20:58:20.153" v="13" actId="478"/>
+          <ac:picMkLst>
+            <pc:docMk/>
+            <pc:sldMk cId="640072093" sldId="269"/>
+            <ac:picMk id="19" creationId="{E2468358-5AE4-4CBB-B5F4-61350196C996}"/>
+          </ac:picMkLst>
+        </pc:picChg>
+      </pc:sldChg>
+      <pc:sldChg chg="delSp">
+        <pc:chgData name="Erkan ŞİRİN" userId="7f10ce1d6aaf8c5d" providerId="LiveId" clId="{20B81091-9E53-4FC9-8F8A-295B665D2BEA}" dt="2019-07-23T20:58:18.810" v="12" actId="478"/>
+        <pc:sldMkLst>
+          <pc:docMk/>
+          <pc:sldMk cId="3172643803" sldId="270"/>
+        </pc:sldMkLst>
+        <pc:picChg chg="del">
+          <ac:chgData name="Erkan ŞİRİN" userId="7f10ce1d6aaf8c5d" providerId="LiveId" clId="{20B81091-9E53-4FC9-8F8A-295B665D2BEA}" dt="2019-07-23T20:58:18.810" v="12" actId="478"/>
+          <ac:picMkLst>
+            <pc:docMk/>
+            <pc:sldMk cId="3172643803" sldId="270"/>
+            <ac:picMk id="16" creationId="{B4A271A6-7616-4BD5-8BD8-94E9D9F336B1}"/>
+          </ac:picMkLst>
+        </pc:picChg>
+      </pc:sldChg>
+      <pc:sldChg chg="delSp">
+        <pc:chgData name="Erkan ŞİRİN" userId="7f10ce1d6aaf8c5d" providerId="LiveId" clId="{20B81091-9E53-4FC9-8F8A-295B665D2BEA}" dt="2019-07-23T20:58:21.519" v="14" actId="478"/>
+        <pc:sldMkLst>
+          <pc:docMk/>
+          <pc:sldMk cId="990395607" sldId="271"/>
+        </pc:sldMkLst>
+        <pc:picChg chg="del">
+          <ac:chgData name="Erkan ŞİRİN" userId="7f10ce1d6aaf8c5d" providerId="LiveId" clId="{20B81091-9E53-4FC9-8F8A-295B665D2BEA}" dt="2019-07-23T20:58:21.519" v="14" actId="478"/>
+          <ac:picMkLst>
+            <pc:docMk/>
+            <pc:sldMk cId="990395607" sldId="271"/>
+            <ac:picMk id="20" creationId="{D2C1FA4E-4863-4441-9F11-518E453FC4F8}"/>
+          </ac:picMkLst>
+        </pc:picChg>
+      </pc:sldChg>
+      <pc:sldChg chg="delSp">
+        <pc:chgData name="Erkan ŞİRİN" userId="7f10ce1d6aaf8c5d" providerId="LiveId" clId="{20B81091-9E53-4FC9-8F8A-295B665D2BEA}" dt="2019-07-23T20:58:06.552" v="3" actId="478"/>
+        <pc:sldMkLst>
+          <pc:docMk/>
+          <pc:sldMk cId="434609224" sldId="272"/>
+        </pc:sldMkLst>
+        <pc:picChg chg="del">
+          <ac:chgData name="Erkan ŞİRİN" userId="7f10ce1d6aaf8c5d" providerId="LiveId" clId="{20B81091-9E53-4FC9-8F8A-295B665D2BEA}" dt="2019-07-23T20:58:06.552" v="3" actId="478"/>
+          <ac:picMkLst>
+            <pc:docMk/>
+            <pc:sldMk cId="434609224" sldId="272"/>
+            <ac:picMk id="16" creationId="{10300810-EF77-478D-BB4A-02A3C934917E}"/>
+          </ac:picMkLst>
+        </pc:picChg>
+      </pc:sldChg>
+      <pc:sldChg chg="delSp">
+        <pc:chgData name="Erkan ŞİRİN" userId="7f10ce1d6aaf8c5d" providerId="LiveId" clId="{20B81091-9E53-4FC9-8F8A-295B665D2BEA}" dt="2019-07-23T20:58:05.321" v="2" actId="478"/>
+        <pc:sldMkLst>
+          <pc:docMk/>
+          <pc:sldMk cId="159048348" sldId="273"/>
+        </pc:sldMkLst>
+        <pc:picChg chg="del">
+          <ac:chgData name="Erkan ŞİRİN" userId="7f10ce1d6aaf8c5d" providerId="LiveId" clId="{20B81091-9E53-4FC9-8F8A-295B665D2BEA}" dt="2019-07-23T20:58:05.321" v="2" actId="478"/>
+          <ac:picMkLst>
+            <pc:docMk/>
+            <pc:sldMk cId="159048348" sldId="273"/>
+            <ac:picMk id="16" creationId="{BA9AC257-695F-45A3-A330-FAFE8636FB2C}"/>
+          </ac:picMkLst>
+        </pc:picChg>
+      </pc:sldChg>
+    </pc:docChg>
+  </pc:docChgLst>
 </pc:chgInfo>
 </file>
 
@@ -690,7 +924,7 @@
           <a:p>
             <a:fld id="{6F77F576-AE14-466D-AA6B-335273622B21}" type="datetimeFigureOut">
               <a:rPr lang="en-US" smtClean="0"/>
-              <a:t>5/7/2019</a:t>
+              <a:t>7/23/2019</a:t>
             </a:fld>
             <a:endParaRPr lang="en-US"/>
           </a:p>
@@ -1089,7 +1323,7 @@
           <a:p>
             <a:fld id="{54AA066D-271F-4C1A-B89A-0705A7689EE9}" type="datetimeFigureOut">
               <a:rPr lang="en-US" smtClean="0"/>
-              <a:t>5/7/2019</a:t>
+              <a:t>7/23/2019</a:t>
             </a:fld>
             <a:endParaRPr lang="en-US"/>
           </a:p>
@@ -1259,7 +1493,7 @@
           <a:p>
             <a:fld id="{54AA066D-271F-4C1A-B89A-0705A7689EE9}" type="datetimeFigureOut">
               <a:rPr lang="en-US" smtClean="0"/>
-              <a:t>5/7/2019</a:t>
+              <a:t>7/23/2019</a:t>
             </a:fld>
             <a:endParaRPr lang="en-US"/>
           </a:p>
@@ -1439,7 +1673,7 @@
           <a:p>
             <a:fld id="{54AA066D-271F-4C1A-B89A-0705A7689EE9}" type="datetimeFigureOut">
               <a:rPr lang="en-US" smtClean="0"/>
-              <a:t>5/7/2019</a:t>
+              <a:t>7/23/2019</a:t>
             </a:fld>
             <a:endParaRPr lang="en-US"/>
           </a:p>
@@ -1609,7 +1843,7 @@
           <a:p>
             <a:fld id="{54AA066D-271F-4C1A-B89A-0705A7689EE9}" type="datetimeFigureOut">
               <a:rPr lang="en-US" smtClean="0"/>
-              <a:t>5/7/2019</a:t>
+              <a:t>7/23/2019</a:t>
             </a:fld>
             <a:endParaRPr lang="en-US"/>
           </a:p>
@@ -1855,7 +2089,7 @@
           <a:p>
             <a:fld id="{54AA066D-271F-4C1A-B89A-0705A7689EE9}" type="datetimeFigureOut">
               <a:rPr lang="en-US" smtClean="0"/>
-              <a:t>5/7/2019</a:t>
+              <a:t>7/23/2019</a:t>
             </a:fld>
             <a:endParaRPr lang="en-US"/>
           </a:p>
@@ -2087,7 +2321,7 @@
           <a:p>
             <a:fld id="{54AA066D-271F-4C1A-B89A-0705A7689EE9}" type="datetimeFigureOut">
               <a:rPr lang="en-US" smtClean="0"/>
-              <a:t>5/7/2019</a:t>
+              <a:t>7/23/2019</a:t>
             </a:fld>
             <a:endParaRPr lang="en-US"/>
           </a:p>
@@ -2454,7 +2688,7 @@
           <a:p>
             <a:fld id="{54AA066D-271F-4C1A-B89A-0705A7689EE9}" type="datetimeFigureOut">
               <a:rPr lang="en-US" smtClean="0"/>
-              <a:t>5/7/2019</a:t>
+              <a:t>7/23/2019</a:t>
             </a:fld>
             <a:endParaRPr lang="en-US"/>
           </a:p>
@@ -2572,7 +2806,7 @@
           <a:p>
             <a:fld id="{54AA066D-271F-4C1A-B89A-0705A7689EE9}" type="datetimeFigureOut">
               <a:rPr lang="en-US" smtClean="0"/>
-              <a:t>5/7/2019</a:t>
+              <a:t>7/23/2019</a:t>
             </a:fld>
             <a:endParaRPr lang="en-US"/>
           </a:p>
@@ -2667,7 +2901,7 @@
           <a:p>
             <a:fld id="{54AA066D-271F-4C1A-B89A-0705A7689EE9}" type="datetimeFigureOut">
               <a:rPr lang="en-US" smtClean="0"/>
-              <a:t>5/7/2019</a:t>
+              <a:t>7/23/2019</a:t>
             </a:fld>
             <a:endParaRPr lang="en-US"/>
           </a:p>
@@ -2944,7 +3178,7 @@
           <a:p>
             <a:fld id="{54AA066D-271F-4C1A-B89A-0705A7689EE9}" type="datetimeFigureOut">
               <a:rPr lang="en-US" smtClean="0"/>
-              <a:t>5/7/2019</a:t>
+              <a:t>7/23/2019</a:t>
             </a:fld>
             <a:endParaRPr lang="en-US"/>
           </a:p>
@@ -3197,7 +3431,7 @@
           <a:p>
             <a:fld id="{54AA066D-271F-4C1A-B89A-0705A7689EE9}" type="datetimeFigureOut">
               <a:rPr lang="en-US" smtClean="0"/>
-              <a:t>5/7/2019</a:t>
+              <a:t>7/23/2019</a:t>
             </a:fld>
             <a:endParaRPr lang="en-US"/>
           </a:p>
@@ -3410,7 +3644,7 @@
           <a:p>
             <a:fld id="{54AA066D-271F-4C1A-B89A-0705A7689EE9}" type="datetimeFigureOut">
               <a:rPr lang="en-US" smtClean="0"/>
-              <a:t>5/7/2019</a:t>
+              <a:t>7/23/2019</a:t>
             </a:fld>
             <a:endParaRPr lang="en-US"/>
           </a:p>
@@ -3926,42 +4160,6 @@
           </a:prstGeom>
         </p:spPr>
       </p:pic>
-      <p:pic>
-        <p:nvPicPr>
-          <p:cNvPr id="17" name="Resim 16">
-            <a:extLst>
-              <a:ext uri="{FF2B5EF4-FFF2-40B4-BE49-F238E27FC236}">
-                <a16:creationId xmlns:a16="http://schemas.microsoft.com/office/drawing/2014/main" id="{C1F42DFA-F3F1-4F73-8633-2F64BE8735AB}"/>
-              </a:ext>
-            </a:extLst>
-          </p:cNvPr>
-          <p:cNvPicPr>
-            <a:picLocks noChangeAspect="1"/>
-          </p:cNvPicPr>
-          <p:nvPr/>
-        </p:nvPicPr>
-        <p:blipFill>
-          <a:blip r:embed="rId3">
-            <a:extLst>
-              <a:ext uri="{28A0092B-C50C-407E-A947-70E740481C1C}">
-                <a14:useLocalDpi xmlns:a14="http://schemas.microsoft.com/office/drawing/2010/main" val="0"/>
-              </a:ext>
-            </a:extLst>
-          </a:blip>
-          <a:stretch>
-            <a:fillRect/>
-          </a:stretch>
-        </p:blipFill>
-        <p:spPr>
-          <a:xfrm>
-            <a:off x="340622" y="6362072"/>
-            <a:ext cx="2154700" cy="308365"/>
-          </a:xfrm>
-          <a:prstGeom prst="rect">
-            <a:avLst/>
-          </a:prstGeom>
-        </p:spPr>
-      </p:pic>
     </p:spTree>
     <p:extLst>
       <p:ext uri="{BB962C8B-B14F-4D97-AF65-F5344CB8AC3E}">
@@ -4374,42 +4572,6 @@
           </a:p>
         </p:txBody>
       </p:sp>
-      <p:pic>
-        <p:nvPicPr>
-          <p:cNvPr id="21" name="Resim 20">
-            <a:extLst>
-              <a:ext uri="{FF2B5EF4-FFF2-40B4-BE49-F238E27FC236}">
-                <a16:creationId xmlns:a16="http://schemas.microsoft.com/office/drawing/2014/main" id="{F1FC17D6-10D5-4654-9158-0819B48A5DFA}"/>
-              </a:ext>
-            </a:extLst>
-          </p:cNvPr>
-          <p:cNvPicPr>
-            <a:picLocks noChangeAspect="1"/>
-          </p:cNvPicPr>
-          <p:nvPr/>
-        </p:nvPicPr>
-        <p:blipFill>
-          <a:blip r:embed="rId2">
-            <a:extLst>
-              <a:ext uri="{28A0092B-C50C-407E-A947-70E740481C1C}">
-                <a14:useLocalDpi xmlns:a14="http://schemas.microsoft.com/office/drawing/2010/main" val="0"/>
-              </a:ext>
-            </a:extLst>
-          </a:blip>
-          <a:stretch>
-            <a:fillRect/>
-          </a:stretch>
-        </p:blipFill>
-        <p:spPr>
-          <a:xfrm>
-            <a:off x="340622" y="6362072"/>
-            <a:ext cx="2154700" cy="308365"/>
-          </a:xfrm>
-          <a:prstGeom prst="rect">
-            <a:avLst/>
-          </a:prstGeom>
-        </p:spPr>
-      </p:pic>
     </p:spTree>
     <p:extLst>
       <p:ext uri="{BB962C8B-B14F-4D97-AF65-F5344CB8AC3E}">
@@ -4622,42 +4784,6 @@
           </a:p>
         </p:txBody>
       </p:sp>
-      <p:pic>
-        <p:nvPicPr>
-          <p:cNvPr id="16" name="Resim 15">
-            <a:extLst>
-              <a:ext uri="{FF2B5EF4-FFF2-40B4-BE49-F238E27FC236}">
-                <a16:creationId xmlns:a16="http://schemas.microsoft.com/office/drawing/2014/main" id="{02426FD6-A5A9-4BD0-84A1-C7DC68AFB258}"/>
-              </a:ext>
-            </a:extLst>
-          </p:cNvPr>
-          <p:cNvPicPr>
-            <a:picLocks noChangeAspect="1"/>
-          </p:cNvPicPr>
-          <p:nvPr/>
-        </p:nvPicPr>
-        <p:blipFill>
-          <a:blip r:embed="rId2">
-            <a:extLst>
-              <a:ext uri="{28A0092B-C50C-407E-A947-70E740481C1C}">
-                <a14:useLocalDpi xmlns:a14="http://schemas.microsoft.com/office/drawing/2010/main" val="0"/>
-              </a:ext>
-            </a:extLst>
-          </a:blip>
-          <a:stretch>
-            <a:fillRect/>
-          </a:stretch>
-        </p:blipFill>
-        <p:spPr>
-          <a:xfrm>
-            <a:off x="340622" y="6362072"/>
-            <a:ext cx="2154700" cy="308365"/>
-          </a:xfrm>
-          <a:prstGeom prst="rect">
-            <a:avLst/>
-          </a:prstGeom>
-        </p:spPr>
-      </p:pic>
     </p:spTree>
     <p:extLst>
       <p:ext uri="{BB962C8B-B14F-4D97-AF65-F5344CB8AC3E}">
@@ -5143,42 +5269,6 @@
           </a:p>
         </p:txBody>
       </p:sp>
-      <p:pic>
-        <p:nvPicPr>
-          <p:cNvPr id="21" name="Resim 20">
-            <a:extLst>
-              <a:ext uri="{FF2B5EF4-FFF2-40B4-BE49-F238E27FC236}">
-                <a16:creationId xmlns:a16="http://schemas.microsoft.com/office/drawing/2014/main" id="{814CF832-F53D-4141-8298-B90A3B15F786}"/>
-              </a:ext>
-            </a:extLst>
-          </p:cNvPr>
-          <p:cNvPicPr>
-            <a:picLocks noChangeAspect="1"/>
-          </p:cNvPicPr>
-          <p:nvPr/>
-        </p:nvPicPr>
-        <p:blipFill>
-          <a:blip r:embed="rId2">
-            <a:extLst>
-              <a:ext uri="{28A0092B-C50C-407E-A947-70E740481C1C}">
-                <a14:useLocalDpi xmlns:a14="http://schemas.microsoft.com/office/drawing/2010/main" val="0"/>
-              </a:ext>
-            </a:extLst>
-          </a:blip>
-          <a:stretch>
-            <a:fillRect/>
-          </a:stretch>
-        </p:blipFill>
-        <p:spPr>
-          <a:xfrm>
-            <a:off x="340622" y="6362072"/>
-            <a:ext cx="2154700" cy="308365"/>
-          </a:xfrm>
-          <a:prstGeom prst="rect">
-            <a:avLst/>
-          </a:prstGeom>
-        </p:spPr>
-      </p:pic>
     </p:spTree>
     <p:extLst>
       <p:ext uri="{BB962C8B-B14F-4D97-AF65-F5344CB8AC3E}">
@@ -5370,42 +5460,6 @@
           </a:p>
         </p:txBody>
       </p:sp>
-      <p:pic>
-        <p:nvPicPr>
-          <p:cNvPr id="16" name="Resim 15">
-            <a:extLst>
-              <a:ext uri="{FF2B5EF4-FFF2-40B4-BE49-F238E27FC236}">
-                <a16:creationId xmlns:a16="http://schemas.microsoft.com/office/drawing/2014/main" id="{B4A271A6-7616-4BD5-8BD8-94E9D9F336B1}"/>
-              </a:ext>
-            </a:extLst>
-          </p:cNvPr>
-          <p:cNvPicPr>
-            <a:picLocks noChangeAspect="1"/>
-          </p:cNvPicPr>
-          <p:nvPr/>
-        </p:nvPicPr>
-        <p:blipFill>
-          <a:blip r:embed="rId3">
-            <a:extLst>
-              <a:ext uri="{28A0092B-C50C-407E-A947-70E740481C1C}">
-                <a14:useLocalDpi xmlns:a14="http://schemas.microsoft.com/office/drawing/2010/main" val="0"/>
-              </a:ext>
-            </a:extLst>
-          </a:blip>
-          <a:stretch>
-            <a:fillRect/>
-          </a:stretch>
-        </p:blipFill>
-        <p:spPr>
-          <a:xfrm>
-            <a:off x="340622" y="6362072"/>
-            <a:ext cx="2154700" cy="308365"/>
-          </a:xfrm>
-          <a:prstGeom prst="rect">
-            <a:avLst/>
-          </a:prstGeom>
-        </p:spPr>
-      </p:pic>
     </p:spTree>
     <p:extLst>
       <p:ext uri="{BB962C8B-B14F-4D97-AF65-F5344CB8AC3E}">
@@ -5727,42 +5781,6 @@
           </a:p>
         </p:txBody>
       </p:sp>
-      <p:pic>
-        <p:nvPicPr>
-          <p:cNvPr id="19" name="Resim 18">
-            <a:extLst>
-              <a:ext uri="{FF2B5EF4-FFF2-40B4-BE49-F238E27FC236}">
-                <a16:creationId xmlns:a16="http://schemas.microsoft.com/office/drawing/2014/main" id="{E2468358-5AE4-4CBB-B5F4-61350196C996}"/>
-              </a:ext>
-            </a:extLst>
-          </p:cNvPr>
-          <p:cNvPicPr>
-            <a:picLocks noChangeAspect="1"/>
-          </p:cNvPicPr>
-          <p:nvPr/>
-        </p:nvPicPr>
-        <p:blipFill>
-          <a:blip r:embed="rId2">
-            <a:extLst>
-              <a:ext uri="{28A0092B-C50C-407E-A947-70E740481C1C}">
-                <a14:useLocalDpi xmlns:a14="http://schemas.microsoft.com/office/drawing/2010/main" val="0"/>
-              </a:ext>
-            </a:extLst>
-          </a:blip>
-          <a:stretch>
-            <a:fillRect/>
-          </a:stretch>
-        </p:blipFill>
-        <p:spPr>
-          <a:xfrm>
-            <a:off x="340622" y="6362072"/>
-            <a:ext cx="2154700" cy="308365"/>
-          </a:xfrm>
-          <a:prstGeom prst="rect">
-            <a:avLst/>
-          </a:prstGeom>
-        </p:spPr>
-      </p:pic>
     </p:spTree>
     <p:extLst>
       <p:ext uri="{BB962C8B-B14F-4D97-AF65-F5344CB8AC3E}">
@@ -6067,42 +6085,6 @@
           </a:p>
         </p:txBody>
       </p:sp>
-      <p:pic>
-        <p:nvPicPr>
-          <p:cNvPr id="20" name="Resim 19">
-            <a:extLst>
-              <a:ext uri="{FF2B5EF4-FFF2-40B4-BE49-F238E27FC236}">
-                <a16:creationId xmlns:a16="http://schemas.microsoft.com/office/drawing/2014/main" id="{D2C1FA4E-4863-4441-9F11-518E453FC4F8}"/>
-              </a:ext>
-            </a:extLst>
-          </p:cNvPr>
-          <p:cNvPicPr>
-            <a:picLocks noChangeAspect="1"/>
-          </p:cNvPicPr>
-          <p:nvPr/>
-        </p:nvPicPr>
-        <p:blipFill>
-          <a:blip r:embed="rId2">
-            <a:extLst>
-              <a:ext uri="{28A0092B-C50C-407E-A947-70E740481C1C}">
-                <a14:useLocalDpi xmlns:a14="http://schemas.microsoft.com/office/drawing/2010/main" val="0"/>
-              </a:ext>
-            </a:extLst>
-          </a:blip>
-          <a:stretch>
-            <a:fillRect/>
-          </a:stretch>
-        </p:blipFill>
-        <p:spPr>
-          <a:xfrm>
-            <a:off x="340622" y="6362072"/>
-            <a:ext cx="2154700" cy="308365"/>
-          </a:xfrm>
-          <a:prstGeom prst="rect">
-            <a:avLst/>
-          </a:prstGeom>
-        </p:spPr>
-      </p:pic>
     </p:spTree>
     <p:extLst>
       <p:ext uri="{BB962C8B-B14F-4D97-AF65-F5344CB8AC3E}">
@@ -6362,42 +6344,6 @@
           </a:p>
         </p:txBody>
       </p:sp>
-      <p:pic>
-        <p:nvPicPr>
-          <p:cNvPr id="16" name="Resim 15">
-            <a:extLst>
-              <a:ext uri="{FF2B5EF4-FFF2-40B4-BE49-F238E27FC236}">
-                <a16:creationId xmlns:a16="http://schemas.microsoft.com/office/drawing/2014/main" id="{BB3CCDFC-0485-4C0C-B8F5-5C1AB6CC72DC}"/>
-              </a:ext>
-            </a:extLst>
-          </p:cNvPr>
-          <p:cNvPicPr>
-            <a:picLocks noChangeAspect="1"/>
-          </p:cNvPicPr>
-          <p:nvPr/>
-        </p:nvPicPr>
-        <p:blipFill>
-          <a:blip r:embed="rId2">
-            <a:extLst>
-              <a:ext uri="{28A0092B-C50C-407E-A947-70E740481C1C}">
-                <a14:useLocalDpi xmlns:a14="http://schemas.microsoft.com/office/drawing/2010/main" val="0"/>
-              </a:ext>
-            </a:extLst>
-          </a:blip>
-          <a:stretch>
-            <a:fillRect/>
-          </a:stretch>
-        </p:blipFill>
-        <p:spPr>
-          <a:xfrm>
-            <a:off x="340622" y="6362072"/>
-            <a:ext cx="2154700" cy="308365"/>
-          </a:xfrm>
-          <a:prstGeom prst="rect">
-            <a:avLst/>
-          </a:prstGeom>
-        </p:spPr>
-      </p:pic>
     </p:spTree>
     <p:extLst>
       <p:ext uri="{BB962C8B-B14F-4D97-AF65-F5344CB8AC3E}">
@@ -7601,42 +7547,6 @@
           </a:p>
         </p:txBody>
       </p:sp>
-      <p:pic>
-        <p:nvPicPr>
-          <p:cNvPr id="16" name="Resim 15">
-            <a:extLst>
-              <a:ext uri="{FF2B5EF4-FFF2-40B4-BE49-F238E27FC236}">
-                <a16:creationId xmlns:a16="http://schemas.microsoft.com/office/drawing/2014/main" id="{BA9AC257-695F-45A3-A330-FAFE8636FB2C}"/>
-              </a:ext>
-            </a:extLst>
-          </p:cNvPr>
-          <p:cNvPicPr>
-            <a:picLocks noChangeAspect="1"/>
-          </p:cNvPicPr>
-          <p:nvPr/>
-        </p:nvPicPr>
-        <p:blipFill>
-          <a:blip r:embed="rId4">
-            <a:extLst>
-              <a:ext uri="{28A0092B-C50C-407E-A947-70E740481C1C}">
-                <a14:useLocalDpi xmlns:a14="http://schemas.microsoft.com/office/drawing/2010/main" val="0"/>
-              </a:ext>
-            </a:extLst>
-          </a:blip>
-          <a:stretch>
-            <a:fillRect/>
-          </a:stretch>
-        </p:blipFill>
-        <p:spPr>
-          <a:xfrm>
-            <a:off x="340622" y="6362072"/>
-            <a:ext cx="2154700" cy="308365"/>
-          </a:xfrm>
-          <a:prstGeom prst="rect">
-            <a:avLst/>
-          </a:prstGeom>
-        </p:spPr>
-      </p:pic>
     </p:spTree>
     <p:extLst>
       <p:ext uri="{BB962C8B-B14F-4D97-AF65-F5344CB8AC3E}">
@@ -8837,42 +8747,6 @@
           </a:p>
         </p:txBody>
       </p:sp>
-      <p:pic>
-        <p:nvPicPr>
-          <p:cNvPr id="16" name="Resim 15">
-            <a:extLst>
-              <a:ext uri="{FF2B5EF4-FFF2-40B4-BE49-F238E27FC236}">
-                <a16:creationId xmlns:a16="http://schemas.microsoft.com/office/drawing/2014/main" id="{10300810-EF77-478D-BB4A-02A3C934917E}"/>
-              </a:ext>
-            </a:extLst>
-          </p:cNvPr>
-          <p:cNvPicPr>
-            <a:picLocks noChangeAspect="1"/>
-          </p:cNvPicPr>
-          <p:nvPr/>
-        </p:nvPicPr>
-        <p:blipFill>
-          <a:blip r:embed="rId2">
-            <a:extLst>
-              <a:ext uri="{28A0092B-C50C-407E-A947-70E740481C1C}">
-                <a14:useLocalDpi xmlns:a14="http://schemas.microsoft.com/office/drawing/2010/main" val="0"/>
-              </a:ext>
-            </a:extLst>
-          </a:blip>
-          <a:stretch>
-            <a:fillRect/>
-          </a:stretch>
-        </p:blipFill>
-        <p:spPr>
-          <a:xfrm>
-            <a:off x="340622" y="6362072"/>
-            <a:ext cx="2154700" cy="308365"/>
-          </a:xfrm>
-          <a:prstGeom prst="rect">
-            <a:avLst/>
-          </a:prstGeom>
-        </p:spPr>
-      </p:pic>
     </p:spTree>
     <p:extLst>
       <p:ext uri="{BB962C8B-B14F-4D97-AF65-F5344CB8AC3E}">
@@ -9761,42 +9635,6 @@
           </a:p>
         </p:txBody>
       </p:sp>
-      <p:pic>
-        <p:nvPicPr>
-          <p:cNvPr id="21" name="Resim 20">
-            <a:extLst>
-              <a:ext uri="{FF2B5EF4-FFF2-40B4-BE49-F238E27FC236}">
-                <a16:creationId xmlns:a16="http://schemas.microsoft.com/office/drawing/2014/main" id="{C549E32E-2ADC-412B-BC0C-43614123ACC3}"/>
-              </a:ext>
-            </a:extLst>
-          </p:cNvPr>
-          <p:cNvPicPr>
-            <a:picLocks noChangeAspect="1"/>
-          </p:cNvPicPr>
-          <p:nvPr/>
-        </p:nvPicPr>
-        <p:blipFill>
-          <a:blip r:embed="rId2">
-            <a:extLst>
-              <a:ext uri="{28A0092B-C50C-407E-A947-70E740481C1C}">
-                <a14:useLocalDpi xmlns:a14="http://schemas.microsoft.com/office/drawing/2010/main" val="0"/>
-              </a:ext>
-            </a:extLst>
-          </a:blip>
-          <a:stretch>
-            <a:fillRect/>
-          </a:stretch>
-        </p:blipFill>
-        <p:spPr>
-          <a:xfrm>
-            <a:off x="340622" y="6362072"/>
-            <a:ext cx="2154700" cy="308365"/>
-          </a:xfrm>
-          <a:prstGeom prst="rect">
-            <a:avLst/>
-          </a:prstGeom>
-        </p:spPr>
-      </p:pic>
     </p:spTree>
     <p:extLst>
       <p:ext uri="{BB962C8B-B14F-4D97-AF65-F5344CB8AC3E}">
@@ -10325,42 +10163,6 @@
           </a:p>
         </p:txBody>
       </p:sp>
-      <p:pic>
-        <p:nvPicPr>
-          <p:cNvPr id="16" name="Resim 15">
-            <a:extLst>
-              <a:ext uri="{FF2B5EF4-FFF2-40B4-BE49-F238E27FC236}">
-                <a16:creationId xmlns:a16="http://schemas.microsoft.com/office/drawing/2014/main" id="{B287B9A2-D686-4DED-89CB-1D453E721A4A}"/>
-              </a:ext>
-            </a:extLst>
-          </p:cNvPr>
-          <p:cNvPicPr>
-            <a:picLocks noChangeAspect="1"/>
-          </p:cNvPicPr>
-          <p:nvPr/>
-        </p:nvPicPr>
-        <p:blipFill>
-          <a:blip r:embed="rId2">
-            <a:extLst>
-              <a:ext uri="{28A0092B-C50C-407E-A947-70E740481C1C}">
-                <a14:useLocalDpi xmlns:a14="http://schemas.microsoft.com/office/drawing/2010/main" val="0"/>
-              </a:ext>
-            </a:extLst>
-          </a:blip>
-          <a:stretch>
-            <a:fillRect/>
-          </a:stretch>
-        </p:blipFill>
-        <p:spPr>
-          <a:xfrm>
-            <a:off x="340622" y="6362072"/>
-            <a:ext cx="2154700" cy="308365"/>
-          </a:xfrm>
-          <a:prstGeom prst="rect">
-            <a:avLst/>
-          </a:prstGeom>
-        </p:spPr>
-      </p:pic>
     </p:spTree>
     <p:extLst>
       <p:ext uri="{BB962C8B-B14F-4D97-AF65-F5344CB8AC3E}">
@@ -11606,42 +11408,6 @@
           </a:p>
         </p:txBody>
       </p:sp>
-      <p:pic>
-        <p:nvPicPr>
-          <p:cNvPr id="16" name="Resim 15">
-            <a:extLst>
-              <a:ext uri="{FF2B5EF4-FFF2-40B4-BE49-F238E27FC236}">
-                <a16:creationId xmlns:a16="http://schemas.microsoft.com/office/drawing/2014/main" id="{7A4C1D4D-8E67-4C68-8B50-F495A5D875B3}"/>
-              </a:ext>
-            </a:extLst>
-          </p:cNvPr>
-          <p:cNvPicPr>
-            <a:picLocks noChangeAspect="1"/>
-          </p:cNvPicPr>
-          <p:nvPr/>
-        </p:nvPicPr>
-        <p:blipFill>
-          <a:blip r:embed="rId2">
-            <a:extLst>
-              <a:ext uri="{28A0092B-C50C-407E-A947-70E740481C1C}">
-                <a14:useLocalDpi xmlns:a14="http://schemas.microsoft.com/office/drawing/2010/main" val="0"/>
-              </a:ext>
-            </a:extLst>
-          </a:blip>
-          <a:stretch>
-            <a:fillRect/>
-          </a:stretch>
-        </p:blipFill>
-        <p:spPr>
-          <a:xfrm>
-            <a:off x="340622" y="6362072"/>
-            <a:ext cx="2154700" cy="308365"/>
-          </a:xfrm>
-          <a:prstGeom prst="rect">
-            <a:avLst/>
-          </a:prstGeom>
-        </p:spPr>
-      </p:pic>
     </p:spTree>
     <p:extLst>
       <p:ext uri="{BB962C8B-B14F-4D97-AF65-F5344CB8AC3E}">
@@ -11900,42 +11666,6 @@
           </a:p>
         </p:txBody>
       </p:sp>
-      <p:pic>
-        <p:nvPicPr>
-          <p:cNvPr id="17" name="Resim 16">
-            <a:extLst>
-              <a:ext uri="{FF2B5EF4-FFF2-40B4-BE49-F238E27FC236}">
-                <a16:creationId xmlns:a16="http://schemas.microsoft.com/office/drawing/2014/main" id="{D6973E36-C5F9-4786-8AF5-E0BCDF860A1F}"/>
-              </a:ext>
-            </a:extLst>
-          </p:cNvPr>
-          <p:cNvPicPr>
-            <a:picLocks noChangeAspect="1"/>
-          </p:cNvPicPr>
-          <p:nvPr/>
-        </p:nvPicPr>
-        <p:blipFill>
-          <a:blip r:embed="rId2">
-            <a:extLst>
-              <a:ext uri="{28A0092B-C50C-407E-A947-70E740481C1C}">
-                <a14:useLocalDpi xmlns:a14="http://schemas.microsoft.com/office/drawing/2010/main" val="0"/>
-              </a:ext>
-            </a:extLst>
-          </a:blip>
-          <a:stretch>
-            <a:fillRect/>
-          </a:stretch>
-        </p:blipFill>
-        <p:spPr>
-          <a:xfrm>
-            <a:off x="340622" y="6362072"/>
-            <a:ext cx="2154700" cy="308365"/>
-          </a:xfrm>
-          <a:prstGeom prst="rect">
-            <a:avLst/>
-          </a:prstGeom>
-        </p:spPr>
-      </p:pic>
     </p:spTree>
     <p:extLst>
       <p:ext uri="{BB962C8B-B14F-4D97-AF65-F5344CB8AC3E}">
@@ -12116,42 +11846,6 @@
           </a:p>
         </p:txBody>
       </p:sp>
-      <p:pic>
-        <p:nvPicPr>
-          <p:cNvPr id="16" name="Resim 15">
-            <a:extLst>
-              <a:ext uri="{FF2B5EF4-FFF2-40B4-BE49-F238E27FC236}">
-                <a16:creationId xmlns:a16="http://schemas.microsoft.com/office/drawing/2014/main" id="{626E046E-C659-4B7E-9A8C-C3BBB35E344A}"/>
-              </a:ext>
-            </a:extLst>
-          </p:cNvPr>
-          <p:cNvPicPr>
-            <a:picLocks noChangeAspect="1"/>
-          </p:cNvPicPr>
-          <p:nvPr/>
-        </p:nvPicPr>
-        <p:blipFill>
-          <a:blip r:embed="rId3">
-            <a:extLst>
-              <a:ext uri="{28A0092B-C50C-407E-A947-70E740481C1C}">
-                <a14:useLocalDpi xmlns:a14="http://schemas.microsoft.com/office/drawing/2010/main" val="0"/>
-              </a:ext>
-            </a:extLst>
-          </a:blip>
-          <a:stretch>
-            <a:fillRect/>
-          </a:stretch>
-        </p:blipFill>
-        <p:spPr>
-          <a:xfrm>
-            <a:off x="340622" y="6362072"/>
-            <a:ext cx="2154700" cy="308365"/>
-          </a:xfrm>
-          <a:prstGeom prst="rect">
-            <a:avLst/>
-          </a:prstGeom>
-        </p:spPr>
-      </p:pic>
     </p:spTree>
     <p:extLst>
       <p:ext uri="{BB962C8B-B14F-4D97-AF65-F5344CB8AC3E}">
